--- a/360VSOD/show/figure_update/obj_ins_statistics.pptx
+++ b/360VSOD/show/figure_update/obj_ins_statistics.pptx
@@ -243,7 +243,7 @@
           <a:p>
             <a:fld id="{80A56AAC-4B7E-5C42-8D05-E8FE4C24500A}" type="datetimeFigureOut">
               <a:rPr lang="en-US" smtClean="0"/>
-              <a:t>8/30/20</a:t>
+              <a:t>8/31/20</a:t>
             </a:fld>
             <a:endParaRPr lang="en-US"/>
           </a:p>
@@ -413,7 +413,7 @@
           <a:p>
             <a:fld id="{80A56AAC-4B7E-5C42-8D05-E8FE4C24500A}" type="datetimeFigureOut">
               <a:rPr lang="en-US" smtClean="0"/>
-              <a:t>8/30/20</a:t>
+              <a:t>8/31/20</a:t>
             </a:fld>
             <a:endParaRPr lang="en-US"/>
           </a:p>
@@ -593,7 +593,7 @@
           <a:p>
             <a:fld id="{80A56AAC-4B7E-5C42-8D05-E8FE4C24500A}" type="datetimeFigureOut">
               <a:rPr lang="en-US" smtClean="0"/>
-              <a:t>8/30/20</a:t>
+              <a:t>8/31/20</a:t>
             </a:fld>
             <a:endParaRPr lang="en-US"/>
           </a:p>
@@ -763,7 +763,7 @@
           <a:p>
             <a:fld id="{80A56AAC-4B7E-5C42-8D05-E8FE4C24500A}" type="datetimeFigureOut">
               <a:rPr lang="en-US" smtClean="0"/>
-              <a:t>8/30/20</a:t>
+              <a:t>8/31/20</a:t>
             </a:fld>
             <a:endParaRPr lang="en-US"/>
           </a:p>
@@ -1009,7 +1009,7 @@
           <a:p>
             <a:fld id="{80A56AAC-4B7E-5C42-8D05-E8FE4C24500A}" type="datetimeFigureOut">
               <a:rPr lang="en-US" smtClean="0"/>
-              <a:t>8/30/20</a:t>
+              <a:t>8/31/20</a:t>
             </a:fld>
             <a:endParaRPr lang="en-US"/>
           </a:p>
@@ -1241,7 +1241,7 @@
           <a:p>
             <a:fld id="{80A56AAC-4B7E-5C42-8D05-E8FE4C24500A}" type="datetimeFigureOut">
               <a:rPr lang="en-US" smtClean="0"/>
-              <a:t>8/30/20</a:t>
+              <a:t>8/31/20</a:t>
             </a:fld>
             <a:endParaRPr lang="en-US"/>
           </a:p>
@@ -1608,7 +1608,7 @@
           <a:p>
             <a:fld id="{80A56AAC-4B7E-5C42-8D05-E8FE4C24500A}" type="datetimeFigureOut">
               <a:rPr lang="en-US" smtClean="0"/>
-              <a:t>8/30/20</a:t>
+              <a:t>8/31/20</a:t>
             </a:fld>
             <a:endParaRPr lang="en-US"/>
           </a:p>
@@ -1726,7 +1726,7 @@
           <a:p>
             <a:fld id="{80A56AAC-4B7E-5C42-8D05-E8FE4C24500A}" type="datetimeFigureOut">
               <a:rPr lang="en-US" smtClean="0"/>
-              <a:t>8/30/20</a:t>
+              <a:t>8/31/20</a:t>
             </a:fld>
             <a:endParaRPr lang="en-US"/>
           </a:p>
@@ -1821,7 +1821,7 @@
           <a:p>
             <a:fld id="{80A56AAC-4B7E-5C42-8D05-E8FE4C24500A}" type="datetimeFigureOut">
               <a:rPr lang="en-US" smtClean="0"/>
-              <a:t>8/30/20</a:t>
+              <a:t>8/31/20</a:t>
             </a:fld>
             <a:endParaRPr lang="en-US"/>
           </a:p>
@@ -2098,7 +2098,7 @@
           <a:p>
             <a:fld id="{80A56AAC-4B7E-5C42-8D05-E8FE4C24500A}" type="datetimeFigureOut">
               <a:rPr lang="en-US" smtClean="0"/>
-              <a:t>8/30/20</a:t>
+              <a:t>8/31/20</a:t>
             </a:fld>
             <a:endParaRPr lang="en-US"/>
           </a:p>
@@ -2351,7 +2351,7 @@
           <a:p>
             <a:fld id="{80A56AAC-4B7E-5C42-8D05-E8FE4C24500A}" type="datetimeFigureOut">
               <a:rPr lang="en-US" smtClean="0"/>
-              <a:t>8/30/20</a:t>
+              <a:t>8/31/20</a:t>
             </a:fld>
             <a:endParaRPr lang="en-US"/>
           </a:p>
@@ -2564,7 +2564,7 @@
           <a:p>
             <a:fld id="{80A56AAC-4B7E-5C42-8D05-E8FE4C24500A}" type="datetimeFigureOut">
               <a:rPr lang="en-US" smtClean="0"/>
-              <a:t>8/30/20</a:t>
+              <a:t>8/31/20</a:t>
             </a:fld>
             <a:endParaRPr lang="en-US"/>
           </a:p>
@@ -3381,15 +3381,7 @@
                 <a:ea typeface="Times New Roman" charset="0"/>
                 <a:cs typeface="Times New Roman" charset="0"/>
               </a:rPr>
-              <a:t>Object</a:t>
-            </a:r>
-            <a:r>
-              <a:rPr lang="en-US" altLang="zh-CN" sz="1600" dirty="0" smtClean="0">
-                <a:latin typeface="Times New Roman" charset="0"/>
-                <a:ea typeface="Times New Roman" charset="0"/>
-                <a:cs typeface="Times New Roman" charset="0"/>
-              </a:rPr>
-              <a:t>-level</a:t>
+              <a:t>Object-level</a:t>
             </a:r>
             <a:r>
               <a:rPr lang="zh-CN" altLang="en-US" sz="1600" dirty="0" smtClean="0">
@@ -3636,6 +3628,196 @@
           </a:extLst>
         </p:spPr>
       </p:pic>
+      <p:sp>
+        <p:nvSpPr>
+          <p:cNvPr id="17" name="TextBox 16"/>
+          <p:cNvSpPr txBox="1"/>
+          <p:nvPr/>
+        </p:nvSpPr>
+        <p:spPr>
+          <a:xfrm>
+            <a:off x="2114450" y="304710"/>
+            <a:ext cx="1318108" cy="338554"/>
+          </a:xfrm>
+          <a:prstGeom prst="rect">
+            <a:avLst/>
+          </a:prstGeom>
+          <a:noFill/>
+        </p:spPr>
+        <p:txBody>
+          <a:bodyPr wrap="square" rtlCol="0">
+            <a:spAutoFit/>
+          </a:bodyPr>
+          <a:lstStyle/>
+          <a:p>
+            <a:r>
+              <a:rPr lang="en-US" sz="1600" dirty="0" smtClean="0">
+                <a:latin typeface="Times New Roman" charset="0"/>
+                <a:ea typeface="Times New Roman" charset="0"/>
+                <a:cs typeface="Times New Roman" charset="0"/>
+              </a:rPr>
+              <a:t>Conversation</a:t>
+            </a:r>
+            <a:endParaRPr lang="en-US" sz="1600" dirty="0">
+              <a:latin typeface="Times New Roman" charset="0"/>
+              <a:ea typeface="Times New Roman" charset="0"/>
+              <a:cs typeface="Times New Roman" charset="0"/>
+            </a:endParaRPr>
+          </a:p>
+        </p:txBody>
+      </p:sp>
+      <p:sp>
+        <p:nvSpPr>
+          <p:cNvPr id="18" name="TextBox 17"/>
+          <p:cNvSpPr txBox="1"/>
+          <p:nvPr/>
+        </p:nvSpPr>
+        <p:spPr>
+          <a:xfrm>
+            <a:off x="6387761" y="1518053"/>
+            <a:ext cx="596813" cy="338554"/>
+          </a:xfrm>
+          <a:prstGeom prst="rect">
+            <a:avLst/>
+          </a:prstGeom>
+          <a:noFill/>
+        </p:spPr>
+        <p:txBody>
+          <a:bodyPr wrap="square" rtlCol="0">
+            <a:spAutoFit/>
+          </a:bodyPr>
+          <a:lstStyle/>
+          <a:p>
+            <a:r>
+              <a:rPr lang="en-US" sz="1600" smtClean="0">
+                <a:latin typeface="Times New Roman" charset="0"/>
+                <a:ea typeface="Times New Roman" charset="0"/>
+                <a:cs typeface="Times New Roman" charset="0"/>
+              </a:rPr>
+              <a:t>Din</a:t>
+            </a:r>
+            <a:endParaRPr lang="en-US" sz="1600" dirty="0">
+              <a:latin typeface="Times New Roman" charset="0"/>
+              <a:ea typeface="Times New Roman" charset="0"/>
+              <a:cs typeface="Times New Roman" charset="0"/>
+            </a:endParaRPr>
+          </a:p>
+        </p:txBody>
+      </p:sp>
+      <p:sp>
+        <p:nvSpPr>
+          <p:cNvPr id="19" name="TextBox 18"/>
+          <p:cNvSpPr txBox="1"/>
+          <p:nvPr/>
+        </p:nvSpPr>
+        <p:spPr>
+          <a:xfrm>
+            <a:off x="4316113" y="3515198"/>
+            <a:ext cx="869858" cy="338554"/>
+          </a:xfrm>
+          <a:prstGeom prst="rect">
+            <a:avLst/>
+          </a:prstGeom>
+          <a:noFill/>
+        </p:spPr>
+        <p:txBody>
+          <a:bodyPr wrap="square" rtlCol="0">
+            <a:spAutoFit/>
+          </a:bodyPr>
+          <a:lstStyle/>
+          <a:p>
+            <a:r>
+              <a:rPr lang="en-US" sz="1600" smtClean="0">
+                <a:latin typeface="Times New Roman" charset="0"/>
+                <a:ea typeface="Times New Roman" charset="0"/>
+                <a:cs typeface="Times New Roman" charset="0"/>
+              </a:rPr>
+              <a:t>Singing</a:t>
+            </a:r>
+            <a:endParaRPr lang="en-US" sz="1600" dirty="0">
+              <a:latin typeface="Times New Roman" charset="0"/>
+              <a:ea typeface="Times New Roman" charset="0"/>
+              <a:cs typeface="Times New Roman" charset="0"/>
+            </a:endParaRPr>
+          </a:p>
+        </p:txBody>
+      </p:sp>
+      <p:sp>
+        <p:nvSpPr>
+          <p:cNvPr id="20" name="TextBox 19"/>
+          <p:cNvSpPr txBox="1"/>
+          <p:nvPr/>
+        </p:nvSpPr>
+        <p:spPr>
+          <a:xfrm>
+            <a:off x="7655562" y="4292695"/>
+            <a:ext cx="1839364" cy="338554"/>
+          </a:xfrm>
+          <a:prstGeom prst="rect">
+            <a:avLst/>
+          </a:prstGeom>
+          <a:noFill/>
+        </p:spPr>
+        <p:txBody>
+          <a:bodyPr wrap="square" rtlCol="0">
+            <a:spAutoFit/>
+          </a:bodyPr>
+          <a:lstStyle/>
+          <a:p>
+            <a:r>
+              <a:rPr lang="en-US" sz="1600" smtClean="0">
+                <a:latin typeface="Times New Roman" charset="0"/>
+                <a:ea typeface="Times New Roman" charset="0"/>
+                <a:cs typeface="Times New Roman" charset="0"/>
+              </a:rPr>
+              <a:t>Playing Instruments</a:t>
+            </a:r>
+            <a:endParaRPr lang="en-US" sz="1600" dirty="0">
+              <a:latin typeface="Times New Roman" charset="0"/>
+              <a:ea typeface="Times New Roman" charset="0"/>
+              <a:cs typeface="Times New Roman" charset="0"/>
+            </a:endParaRPr>
+          </a:p>
+        </p:txBody>
+      </p:sp>
+      <p:sp>
+        <p:nvSpPr>
+          <p:cNvPr id="21" name="TextBox 20"/>
+          <p:cNvSpPr txBox="1"/>
+          <p:nvPr/>
+        </p:nvSpPr>
+        <p:spPr>
+          <a:xfrm>
+            <a:off x="10173090" y="2767147"/>
+            <a:ext cx="1165708" cy="338554"/>
+          </a:xfrm>
+          <a:prstGeom prst="rect">
+            <a:avLst/>
+          </a:prstGeom>
+          <a:noFill/>
+        </p:spPr>
+        <p:txBody>
+          <a:bodyPr wrap="square" rtlCol="0">
+            <a:spAutoFit/>
+          </a:bodyPr>
+          <a:lstStyle/>
+          <a:p>
+            <a:r>
+              <a:rPr lang="en-US" sz="1600" smtClean="0">
+                <a:latin typeface="Times New Roman" charset="0"/>
+                <a:ea typeface="Times New Roman" charset="0"/>
+                <a:cs typeface="Times New Roman" charset="0"/>
+              </a:rPr>
+              <a:t>Monologue</a:t>
+            </a:r>
+            <a:endParaRPr lang="en-US" sz="1600" dirty="0">
+              <a:latin typeface="Times New Roman" charset="0"/>
+              <a:ea typeface="Times New Roman" charset="0"/>
+              <a:cs typeface="Times New Roman" charset="0"/>
+            </a:endParaRPr>
+          </a:p>
+        </p:txBody>
+      </p:sp>
     </p:spTree>
     <p:extLst>
       <p:ext uri="{BB962C8B-B14F-4D97-AF65-F5344CB8AC3E}">
